--- a/slides/Spring2019-ZooKeeperDistributedSystems.pptx
+++ b/slides/Spring2019-ZooKeeperDistributedSystems.pptx
@@ -43794,7 +43794,7 @@
         </p:blipFill>
         <p:spPr>
           <a:xfrm>
-            <a:off x="568712" y="1020035"/>
+            <a:off x="605782" y="979578"/>
             <a:ext cx="11266449" cy="5015564"/>
           </a:xfrm>
         </p:spPr>
@@ -43807,7 +43807,7 @@
         </p:nvSpPr>
         <p:spPr>
           <a:xfrm>
-            <a:off x="4795023" y="5253672"/>
+            <a:off x="1792331" y="4440867"/>
             <a:ext cx="1962616" cy="1077218"/>
           </a:xfrm>
           <a:prstGeom prst="rect">
@@ -43857,8 +43857,8 @@
         </p:nvCxnSpPr>
         <p:spPr>
           <a:xfrm flipV="1">
-            <a:off x="5776331" y="4293221"/>
-            <a:ext cx="111513" cy="880945"/>
+            <a:off x="3754947" y="4287795"/>
+            <a:ext cx="1632599" cy="691681"/>
           </a:xfrm>
           <a:prstGeom prst="straightConnector1">
             <a:avLst/>
@@ -43882,6 +43882,60 @@
           </a:fontRef>
         </p:style>
       </p:cxnSp>
+      <p:sp>
+        <p:nvSpPr>
+          <p:cNvPr id="9" name="TextBox 8"/>
+          <p:cNvSpPr txBox="1"/>
+          <p:nvPr/>
+        </p:nvSpPr>
+        <p:spPr>
+          <a:xfrm>
+            <a:off x="605782" y="5915391"/>
+            <a:ext cx="11266449" cy="830997"/>
+          </a:xfrm>
+          <a:prstGeom prst="rect">
+            <a:avLst/>
+          </a:prstGeom>
+        </p:spPr>
+        <p:style>
+          <a:lnRef idx="2">
+            <a:schemeClr val="accent2">
+              <a:shade val="50000"/>
+            </a:schemeClr>
+          </a:lnRef>
+          <a:fillRef idx="1">
+            <a:schemeClr val="accent2"/>
+          </a:fillRef>
+          <a:effectRef idx="0">
+            <a:schemeClr val="accent2"/>
+          </a:effectRef>
+          <a:fontRef idx="minor">
+            <a:schemeClr val="lt1"/>
+          </a:fontRef>
+        </p:style>
+        <p:txBody>
+          <a:bodyPr wrap="square" rtlCol="0">
+            <a:spAutoFit/>
+          </a:bodyPr>
+          <a:lstStyle/>
+          <a:p>
+            <a:pPr algn="ctr"/>
+            <a:r>
+              <a:rPr lang="en-US" sz="2400" dirty="0" smtClean="0"/>
+              <a:t>Instead of </a:t>
+            </a:r>
+            <a:r>
+              <a:rPr lang="en-US" sz="2400" dirty="0" err="1" smtClean="0"/>
+              <a:t>Zab</a:t>
+            </a:r>
+            <a:r>
+              <a:rPr lang="en-US" sz="2400" dirty="0" smtClean="0"/>
+              <a:t>, we’ll examine the simpler RAFT protocol. Both are described in academic papers</a:t>
+            </a:r>
+            <a:endParaRPr lang="en-US" sz="2400" dirty="0"/>
+          </a:p>
+        </p:txBody>
+      </p:sp>
     </p:spTree>
     <p:extLst>
       <p:ext uri="{BB962C8B-B14F-4D97-AF65-F5344CB8AC3E}">

--- a/slides/Spring2019-ZooKeeperDistributedSystems.pptx
+++ b/slides/Spring2019-ZooKeeperDistributedSystems.pptx
@@ -43185,7 +43185,27 @@
             </a:pPr>
             <a:r>
               <a:rPr lang="en-US" sz="2800" dirty="0" smtClean="0"/>
-              <a:t>Pinterest has about ~100 million active users.</a:t>
+              <a:t>Pinterest has </a:t>
+            </a:r>
+            <a:r>
+              <a:rPr lang="en-US" sz="2800" smtClean="0"/>
+              <a:t>about </a:t>
+            </a:r>
+            <a:r>
+              <a:rPr lang="en-US" sz="2800" smtClean="0"/>
+              <a:t>~</a:t>
+            </a:r>
+            <a:r>
+              <a:rPr lang="en-US" sz="2800" smtClean="0"/>
+              <a:t>25</a:t>
+            </a:r>
+            <a:r>
+              <a:rPr lang="en-US" sz="2800" smtClean="0"/>
+              <a:t>0 </a:t>
+            </a:r>
+            <a:r>
+              <a:rPr lang="en-US" sz="2800" dirty="0" smtClean="0"/>
+              <a:t>million active users.</a:t>
             </a:r>
           </a:p>
         </p:txBody>
